--- a/Project_2_Loan_Determination.pptx
+++ b/Project_2_Loan_Determination.pptx
@@ -19,23 +19,24 @@
     <p:sldId id="264" r:id="rId14"/>
     <p:sldId id="265" r:id="rId15"/>
     <p:sldId id="266" r:id="rId16"/>
+    <p:sldId id="267" r:id="rId17"/>
   </p:sldIdLst>
   <p:sldSz cy="5143500" cx="9144000"/>
   <p:notesSz cx="6858000" cy="9144000"/>
   <p:embeddedFontLst>
     <p:embeddedFont>
       <p:font typeface="Montserrat"/>
-      <p:regular r:id="rId17"/>
-      <p:bold r:id="rId18"/>
-      <p:italic r:id="rId19"/>
-      <p:boldItalic r:id="rId20"/>
+      <p:regular r:id="rId18"/>
+      <p:bold r:id="rId19"/>
+      <p:italic r:id="rId20"/>
+      <p:boldItalic r:id="rId21"/>
     </p:embeddedFont>
     <p:embeddedFont>
       <p:font typeface="Lato"/>
-      <p:regular r:id="rId21"/>
-      <p:bold r:id="rId22"/>
-      <p:italic r:id="rId23"/>
-      <p:boldItalic r:id="rId24"/>
+      <p:regular r:id="rId22"/>
+      <p:bold r:id="rId23"/>
+      <p:italic r:id="rId24"/>
+      <p:boldItalic r:id="rId25"/>
     </p:embeddedFont>
   </p:embeddedFontLst>
   <p:defaultTextStyle>
@@ -830,7 +831,7 @@
       </p:grpSpPr>
       <p:sp>
         <p:nvSpPr>
-          <p:cNvPr id="183" name="Google Shape;183;gedc5d352e8_0_171:notes"/>
+          <p:cNvPr id="183" name="Google Shape;183;gedc5d352e8_0_165:notes"/>
           <p:cNvSpPr/>
           <p:nvPr>
             <p:ph idx="2" type="sldImg"/>
@@ -865,7 +866,7 @@
       </p:sp>
       <p:sp>
         <p:nvSpPr>
-          <p:cNvPr id="184" name="Google Shape;184;gedc5d352e8_0_171:notes"/>
+          <p:cNvPr id="184" name="Google Shape;184;gedc5d352e8_0_165:notes"/>
           <p:cNvSpPr txBox="1"/>
           <p:nvPr>
             <p:ph idx="1" type="body"/>
@@ -929,7 +930,7 @@
       </p:grpSpPr>
       <p:sp>
         <p:nvSpPr>
-          <p:cNvPr id="189" name="Google Shape;189;gedc5d352e8_0_176:notes"/>
+          <p:cNvPr id="189" name="Google Shape;189;gedc5d352e8_0_171:notes"/>
           <p:cNvSpPr/>
           <p:nvPr>
             <p:ph idx="2" type="sldImg"/>
@@ -964,7 +965,106 @@
       </p:sp>
       <p:sp>
         <p:nvSpPr>
-          <p:cNvPr id="190" name="Google Shape;190;gedc5d352e8_0_176:notes"/>
+          <p:cNvPr id="190" name="Google Shape;190;gedc5d352e8_0_171:notes"/>
+          <p:cNvSpPr txBox="1"/>
+          <p:nvPr>
+            <p:ph idx="1" type="body"/>
+          </p:nvPr>
+        </p:nvSpPr>
+        <p:spPr>
+          <a:xfrm>
+            <a:off x="685800" y="4343400"/>
+            <a:ext cx="5486400" cy="4114800"/>
+          </a:xfrm>
+          <a:prstGeom prst="rect">
+            <a:avLst/>
+          </a:prstGeom>
+        </p:spPr>
+        <p:txBody>
+          <a:bodyPr anchorCtr="0" anchor="t" bIns="91425" lIns="91425" spcFirstLastPara="1" rIns="91425" wrap="square" tIns="91425">
+            <a:noAutofit/>
+          </a:bodyPr>
+          <a:lstStyle/>
+          <a:p>
+            <a:pPr indent="0" lvl="0" marL="0" rtl="0" algn="l">
+              <a:spcBef>
+                <a:spcPts val="0"/>
+              </a:spcBef>
+              <a:spcAft>
+                <a:spcPts val="0"/>
+              </a:spcAft>
+              <a:buNone/>
+            </a:pPr>
+            <a:r>
+              <a:t/>
+            </a:r>
+            <a:endParaRPr/>
+          </a:p>
+        </p:txBody>
+      </p:sp>
+    </p:spTree>
+  </p:cSld>
+  <p:clrMapOvr>
+    <a:masterClrMapping/>
+  </p:clrMapOvr>
+</p:notes>
+</file>
+
+<file path=ppt/notesSlides/notesSlide12.xml><?xml version="1.0" encoding="utf-8"?>
+<p:notes xmlns:a="http://schemas.openxmlformats.org/drawingml/2006/main" xmlns:r="http://schemas.openxmlformats.org/officeDocument/2006/relationships" xmlns:mc="http://schemas.openxmlformats.org/markup-compatibility/2006" xmlns:mv="urn:schemas-microsoft-com:mac:vml" xmlns:p="http://schemas.openxmlformats.org/presentationml/2006/main" xmlns:c="http://schemas.openxmlformats.org/drawingml/2006/chart" xmlns:dgm="http://schemas.openxmlformats.org/drawingml/2006/diagram" xmlns:o="urn:schemas-microsoft-com:office:office" xmlns:v="urn:schemas-microsoft-com:vml" xmlns:pvml="urn:schemas-microsoft-com:office:powerpoint" xmlns:com="http://schemas.openxmlformats.org/drawingml/2006/compatibility" xmlns:p14="http://schemas.microsoft.com/office/powerpoint/2010/main" xmlns:p15="http://schemas.microsoft.com/office/powerpoint/2012/main" xmlns:ahyp="http://schemas.microsoft.com/office/drawing/2018/hyperlinkcolor" showMasterPhAnim="0" showMasterSp="0">
+  <p:cSld>
+    <p:spTree>
+      <p:nvGrpSpPr>
+        <p:cNvPr id="194" name="Shape 194"/>
+        <p:cNvGrpSpPr/>
+        <p:nvPr/>
+      </p:nvGrpSpPr>
+      <p:grpSpPr>
+        <a:xfrm>
+          <a:off x="0" y="0"/>
+          <a:ext cx="0" cy="0"/>
+          <a:chOff x="0" y="0"/>
+          <a:chExt cx="0" cy="0"/>
+        </a:xfrm>
+      </p:grpSpPr>
+      <p:sp>
+        <p:nvSpPr>
+          <p:cNvPr id="195" name="Google Shape;195;gedc5d352e8_0_176:notes"/>
+          <p:cNvSpPr/>
+          <p:nvPr>
+            <p:ph idx="2" type="sldImg"/>
+          </p:nvPr>
+        </p:nvSpPr>
+        <p:spPr>
+          <a:xfrm>
+            <a:off x="381300" y="685800"/>
+            <a:ext cx="6096000" cy="3429000"/>
+          </a:xfrm>
+          <a:custGeom>
+            <a:rect b="b" l="l" r="r" t="t"/>
+            <a:pathLst>
+              <a:path extrusionOk="0" h="120000" w="120000">
+                <a:moveTo>
+                  <a:pt x="0" y="0"/>
+                </a:moveTo>
+                <a:lnTo>
+                  <a:pt x="120000" y="0"/>
+                </a:lnTo>
+                <a:lnTo>
+                  <a:pt x="120000" y="120000"/>
+                </a:lnTo>
+                <a:lnTo>
+                  <a:pt x="0" y="120000"/>
+                </a:lnTo>
+                <a:close/>
+              </a:path>
+            </a:pathLst>
+          </a:custGeom>
+        </p:spPr>
+      </p:sp>
+      <p:sp>
+        <p:nvSpPr>
+          <p:cNvPr id="196" name="Google Shape;196;gedc5d352e8_0_176:notes"/>
           <p:cNvSpPr txBox="1"/>
           <p:nvPr>
             <p:ph idx="1" type="body"/>
@@ -1127,7 +1227,7 @@
       </p:grpSpPr>
       <p:sp>
         <p:nvSpPr>
-          <p:cNvPr id="143" name="Google Shape;143;gedc5d352e8_0_130:notes"/>
+          <p:cNvPr id="143" name="Google Shape;143;gedc5d352e8_0_181:notes"/>
           <p:cNvSpPr/>
           <p:nvPr>
             <p:ph idx="2" type="sldImg"/>
@@ -1162,7 +1262,7 @@
       </p:sp>
       <p:sp>
         <p:nvSpPr>
-          <p:cNvPr id="144" name="Google Shape;144;gedc5d352e8_0_130:notes"/>
+          <p:cNvPr id="144" name="Google Shape;144;gedc5d352e8_0_181:notes"/>
           <p:cNvSpPr txBox="1"/>
           <p:nvPr>
             <p:ph idx="1" type="body"/>
@@ -1226,7 +1326,7 @@
       </p:grpSpPr>
       <p:sp>
         <p:nvSpPr>
-          <p:cNvPr id="149" name="Google Shape;149;gedc5d352e8_0_135:notes"/>
+          <p:cNvPr id="149" name="Google Shape;149;gedc5d352e8_0_130:notes"/>
           <p:cNvSpPr/>
           <p:nvPr>
             <p:ph idx="2" type="sldImg"/>
@@ -1261,7 +1361,7 @@
       </p:sp>
       <p:sp>
         <p:nvSpPr>
-          <p:cNvPr id="150" name="Google Shape;150;gedc5d352e8_0_135:notes"/>
+          <p:cNvPr id="150" name="Google Shape;150;gedc5d352e8_0_130:notes"/>
           <p:cNvSpPr txBox="1"/>
           <p:nvPr>
             <p:ph idx="1" type="body"/>
@@ -1325,7 +1425,7 @@
       </p:grpSpPr>
       <p:sp>
         <p:nvSpPr>
-          <p:cNvPr id="155" name="Google Shape;155;gedc5d352e8_0_140:notes"/>
+          <p:cNvPr id="155" name="Google Shape;155;gedc5d352e8_0_135:notes"/>
           <p:cNvSpPr/>
           <p:nvPr>
             <p:ph idx="2" type="sldImg"/>
@@ -1360,7 +1460,7 @@
       </p:sp>
       <p:sp>
         <p:nvSpPr>
-          <p:cNvPr id="156" name="Google Shape;156;gedc5d352e8_0_140:notes"/>
+          <p:cNvPr id="156" name="Google Shape;156;gedc5d352e8_0_135:notes"/>
           <p:cNvSpPr txBox="1"/>
           <p:nvPr>
             <p:ph idx="1" type="body"/>
@@ -1424,7 +1524,7 @@
       </p:grpSpPr>
       <p:sp>
         <p:nvSpPr>
-          <p:cNvPr id="161" name="Google Shape;161;gedc5d352e8_0_145:notes"/>
+          <p:cNvPr id="161" name="Google Shape;161;gedc5d352e8_0_140:notes"/>
           <p:cNvSpPr/>
           <p:nvPr>
             <p:ph idx="2" type="sldImg"/>
@@ -1459,7 +1559,7 @@
       </p:sp>
       <p:sp>
         <p:nvSpPr>
-          <p:cNvPr id="162" name="Google Shape;162;gedc5d352e8_0_145:notes"/>
+          <p:cNvPr id="162" name="Google Shape;162;gedc5d352e8_0_140:notes"/>
           <p:cNvSpPr txBox="1"/>
           <p:nvPr>
             <p:ph idx="1" type="body"/>
@@ -1523,7 +1623,7 @@
       </p:grpSpPr>
       <p:sp>
         <p:nvSpPr>
-          <p:cNvPr id="167" name="Google Shape;167;gedc5d352e8_0_150:notes"/>
+          <p:cNvPr id="167" name="Google Shape;167;gedc5d352e8_0_145:notes"/>
           <p:cNvSpPr/>
           <p:nvPr>
             <p:ph idx="2" type="sldImg"/>
@@ -1558,7 +1658,7 @@
       </p:sp>
       <p:sp>
         <p:nvSpPr>
-          <p:cNvPr id="168" name="Google Shape;168;gedc5d352e8_0_150:notes"/>
+          <p:cNvPr id="168" name="Google Shape;168;gedc5d352e8_0_145:notes"/>
           <p:cNvSpPr txBox="1"/>
           <p:nvPr>
             <p:ph idx="1" type="body"/>
@@ -1608,7 +1708,7 @@
   <p:cSld>
     <p:spTree>
       <p:nvGrpSpPr>
-        <p:cNvPr id="171" name="Shape 171"/>
+        <p:cNvPr id="172" name="Shape 172"/>
         <p:cNvGrpSpPr/>
         <p:nvPr/>
       </p:nvGrpSpPr>
@@ -1622,7 +1722,7 @@
       </p:grpSpPr>
       <p:sp>
         <p:nvSpPr>
-          <p:cNvPr id="172" name="Google Shape;172;gedc5d352e8_0_155:notes"/>
+          <p:cNvPr id="173" name="Google Shape;173;gedc5d352e8_0_150:notes"/>
           <p:cNvSpPr/>
           <p:nvPr>
             <p:ph idx="2" type="sldImg"/>
@@ -1657,7 +1757,7 @@
       </p:sp>
       <p:sp>
         <p:nvSpPr>
-          <p:cNvPr id="173" name="Google Shape;173;gedc5d352e8_0_155:notes"/>
+          <p:cNvPr id="174" name="Google Shape;174;gedc5d352e8_0_150:notes"/>
           <p:cNvSpPr txBox="1"/>
           <p:nvPr>
             <p:ph idx="1" type="body"/>
@@ -1707,7 +1807,7 @@
   <p:cSld>
     <p:spTree>
       <p:nvGrpSpPr>
-        <p:cNvPr id="176" name="Shape 176"/>
+        <p:cNvPr id="177" name="Shape 177"/>
         <p:cNvGrpSpPr/>
         <p:nvPr/>
       </p:nvGrpSpPr>
@@ -1721,7 +1821,7 @@
       </p:grpSpPr>
       <p:sp>
         <p:nvSpPr>
-          <p:cNvPr id="177" name="Google Shape;177;gedc5d352e8_0_165:notes"/>
+          <p:cNvPr id="178" name="Google Shape;178;gedc5d352e8_0_155:notes"/>
           <p:cNvSpPr/>
           <p:nvPr>
             <p:ph idx="2" type="sldImg"/>
@@ -1756,7 +1856,7 @@
       </p:sp>
       <p:sp>
         <p:nvSpPr>
-          <p:cNvPr id="178" name="Google Shape;178;gedc5d352e8_0_165:notes"/>
+          <p:cNvPr id="179" name="Google Shape;179;gedc5d352e8_0_155:notes"/>
           <p:cNvSpPr txBox="1"/>
           <p:nvPr>
             <p:ph idx="1" type="body"/>
@@ -10172,7 +10272,7 @@
             </a:pPr>
             <a:r>
               <a:rPr lang="en"/>
-              <a:t>Next Steps:</a:t>
+              <a:t>Visualization and Evaluation</a:t>
             </a:r>
             <a:endParaRPr/>
           </a:p>
@@ -10212,7 +10312,11 @@
             </a:pPr>
             <a:r>
               <a:rPr lang="en"/>
-              <a:t>Prepare the data for predictive modeling. Determine how best to handle dType Objects.</a:t>
+              <a:t>Wh</a:t>
+            </a:r>
+            <a:r>
+              <a:rPr lang="en"/>
+              <a:t>at percentage of loans were approved?  70%</a:t>
             </a:r>
             <a:endParaRPr/>
           </a:p>
@@ -10228,7 +10332,7 @@
             </a:pPr>
             <a:r>
               <a:rPr lang="en"/>
-              <a:t>Will this be a supervised or unsupervised model?</a:t>
+              <a:t>What correlations were there in the data?  Applicant Income and Loan Amount </a:t>
             </a:r>
             <a:endParaRPr/>
           </a:p>
@@ -10244,7 +10348,7 @@
             </a:pPr>
             <a:r>
               <a:rPr lang="en"/>
-              <a:t>Test and determine what type of predictive model to use (Regression / Classification / Clustering)</a:t>
+              <a:t>Was there a strong gender bias in those that got approved? More males applied than females, but there wasn’t a strong bias to approve males over female.</a:t>
             </a:r>
             <a:endParaRPr/>
           </a:p>
@@ -10259,8 +10363,7 @@
               <a:buNone/>
             </a:pPr>
             <a:r>
-              <a:rPr lang="en"/>
-              <a:t>Determine which model to use. (Forests, Trees, KNN, KMeans…)</a:t>
+              <a:t/>
             </a:r>
             <a:endParaRPr/>
           </a:p>
@@ -10325,6 +10428,191 @@
             </a:pPr>
             <a:r>
               <a:rPr lang="en"/>
+              <a:t>Next Steps:</a:t>
+            </a:r>
+            <a:endParaRPr/>
+          </a:p>
+        </p:txBody>
+      </p:sp>
+      <p:sp>
+        <p:nvSpPr>
+          <p:cNvPr id="193" name="Google Shape;193;p23"/>
+          <p:cNvSpPr txBox="1"/>
+          <p:nvPr>
+            <p:ph idx="1" type="body"/>
+          </p:nvPr>
+        </p:nvSpPr>
+        <p:spPr>
+          <a:xfrm>
+            <a:off x="1297500" y="1567550"/>
+            <a:ext cx="7038900" cy="2911200"/>
+          </a:xfrm>
+          <a:prstGeom prst="rect">
+            <a:avLst/>
+          </a:prstGeom>
+        </p:spPr>
+        <p:txBody>
+          <a:bodyPr anchorCtr="0" anchor="t" bIns="91425" lIns="91425" spcFirstLastPara="1" rIns="91425" wrap="square" tIns="91425">
+            <a:normAutofit/>
+          </a:bodyPr>
+          <a:lstStyle/>
+          <a:p>
+            <a:pPr indent="0" lvl="0" marL="0" rtl="0" algn="l">
+              <a:spcBef>
+                <a:spcPts val="0"/>
+              </a:spcBef>
+              <a:spcAft>
+                <a:spcPts val="0"/>
+              </a:spcAft>
+              <a:buNone/>
+            </a:pPr>
+            <a:r>
+              <a:rPr lang="en"/>
+              <a:t>Prepare the data for predictive modeling. Determine how best to handle dType Objects.</a:t>
+            </a:r>
+            <a:endParaRPr/>
+          </a:p>
+          <a:p>
+            <a:pPr indent="0" lvl="0" marL="0" rtl="0" algn="l">
+              <a:spcBef>
+                <a:spcPts val="1200"/>
+              </a:spcBef>
+              <a:spcAft>
+                <a:spcPts val="0"/>
+              </a:spcAft>
+              <a:buNone/>
+            </a:pPr>
+            <a:r>
+              <a:rPr lang="en"/>
+              <a:t>Will this be a supervised or unsupervised model?</a:t>
+            </a:r>
+            <a:endParaRPr/>
+          </a:p>
+          <a:p>
+            <a:pPr indent="0" lvl="0" marL="0" rtl="0" algn="l">
+              <a:spcBef>
+                <a:spcPts val="1200"/>
+              </a:spcBef>
+              <a:spcAft>
+                <a:spcPts val="0"/>
+              </a:spcAft>
+              <a:buNone/>
+            </a:pPr>
+            <a:r>
+              <a:rPr lang="en"/>
+              <a:t>Test and determine what type of predictive model to use (Regression / Classification / Clustering)</a:t>
+            </a:r>
+            <a:endParaRPr/>
+          </a:p>
+          <a:p>
+            <a:pPr indent="0" lvl="0" marL="0" rtl="0" algn="l">
+              <a:spcBef>
+                <a:spcPts val="1200"/>
+              </a:spcBef>
+              <a:spcAft>
+                <a:spcPts val="0"/>
+              </a:spcAft>
+              <a:buNone/>
+            </a:pPr>
+            <a:r>
+              <a:rPr lang="en"/>
+              <a:t>Determine which model to use. (Forests, Trees, KNN, KMeans…)</a:t>
+            </a:r>
+            <a:endParaRPr/>
+          </a:p>
+          <a:p>
+            <a:pPr indent="0" lvl="0" marL="0" rtl="0" algn="l">
+              <a:spcBef>
+                <a:spcPts val="1200"/>
+              </a:spcBef>
+              <a:spcAft>
+                <a:spcPts val="0"/>
+              </a:spcAft>
+              <a:buNone/>
+            </a:pPr>
+            <a:r>
+              <a:rPr lang="en"/>
+              <a:t>Test model with training data</a:t>
+            </a:r>
+            <a:endParaRPr/>
+          </a:p>
+          <a:p>
+            <a:pPr indent="0" lvl="0" marL="0" rtl="0" algn="l">
+              <a:spcBef>
+                <a:spcPts val="1200"/>
+              </a:spcBef>
+              <a:spcAft>
+                <a:spcPts val="1200"/>
+              </a:spcAft>
+              <a:buNone/>
+            </a:pPr>
+            <a:r>
+              <a:rPr lang="en"/>
+              <a:t>Apply model to test data</a:t>
+            </a:r>
+            <a:endParaRPr/>
+          </a:p>
+        </p:txBody>
+      </p:sp>
+    </p:spTree>
+  </p:cSld>
+  <p:clrMapOvr>
+    <a:masterClrMapping/>
+  </p:clrMapOvr>
+</p:sld>
+</file>
+
+<file path=ppt/slides/slide12.xml><?xml version="1.0" encoding="utf-8"?>
+<p:sld xmlns:a="http://schemas.openxmlformats.org/drawingml/2006/main" xmlns:r="http://schemas.openxmlformats.org/officeDocument/2006/relationships" xmlns:mc="http://schemas.openxmlformats.org/markup-compatibility/2006" xmlns:mv="urn:schemas-microsoft-com:mac:vml" xmlns:p="http://schemas.openxmlformats.org/presentationml/2006/main" xmlns:c="http://schemas.openxmlformats.org/drawingml/2006/chart" xmlns:dgm="http://schemas.openxmlformats.org/drawingml/2006/diagram" xmlns:o="urn:schemas-microsoft-com:office:office" xmlns:v="urn:schemas-microsoft-com:vml" xmlns:pvml="urn:schemas-microsoft-com:office:powerpoint" xmlns:com="http://schemas.openxmlformats.org/drawingml/2006/compatibility" xmlns:p14="http://schemas.microsoft.com/office/powerpoint/2010/main" xmlns:p15="http://schemas.microsoft.com/office/powerpoint/2012/main" xmlns:ahyp="http://schemas.microsoft.com/office/drawing/2018/hyperlinkcolor">
+  <p:cSld>
+    <p:spTree>
+      <p:nvGrpSpPr>
+        <p:cNvPr id="197" name="Shape 197"/>
+        <p:cNvGrpSpPr/>
+        <p:nvPr/>
+      </p:nvGrpSpPr>
+      <p:grpSpPr>
+        <a:xfrm>
+          <a:off x="0" y="0"/>
+          <a:ext cx="0" cy="0"/>
+          <a:chOff x="0" y="0"/>
+          <a:chExt cx="0" cy="0"/>
+        </a:xfrm>
+      </p:grpSpPr>
+      <p:sp>
+        <p:nvSpPr>
+          <p:cNvPr id="198" name="Google Shape;198;p24"/>
+          <p:cNvSpPr txBox="1"/>
+          <p:nvPr>
+            <p:ph type="title"/>
+          </p:nvPr>
+        </p:nvSpPr>
+        <p:spPr>
+          <a:xfrm>
+            <a:off x="1297500" y="393750"/>
+            <a:ext cx="7038900" cy="914100"/>
+          </a:xfrm>
+          <a:prstGeom prst="rect">
+            <a:avLst/>
+          </a:prstGeom>
+        </p:spPr>
+        <p:txBody>
+          <a:bodyPr anchorCtr="0" anchor="t" bIns="91425" lIns="91425" spcFirstLastPara="1" rIns="91425" wrap="square" tIns="91425">
+            <a:normAutofit/>
+          </a:bodyPr>
+          <a:lstStyle/>
+          <a:p>
+            <a:pPr indent="0" lvl="0" marL="0" rtl="0" algn="l">
+              <a:spcBef>
+                <a:spcPts val="0"/>
+              </a:spcBef>
+              <a:spcAft>
+                <a:spcPts val="0"/>
+              </a:spcAft>
+              <a:buNone/>
+            </a:pPr>
+            <a:r>
+              <a:rPr lang="en"/>
               <a:t>Challenges</a:t>
             </a:r>
             <a:endParaRPr/>
@@ -10333,7 +10621,7 @@
       </p:sp>
       <p:sp>
         <p:nvSpPr>
-          <p:cNvPr id="193" name="Google Shape;193;p23"/>
+          <p:cNvPr id="199" name="Google Shape;199;p24"/>
           <p:cNvSpPr txBox="1"/>
           <p:nvPr>
             <p:ph idx="1" type="body"/>
@@ -10462,8 +10750,8 @@
         </p:nvSpPr>
         <p:spPr>
           <a:xfrm>
-            <a:off x="1297500" y="1567550"/>
-            <a:ext cx="7038900" cy="2911200"/>
+            <a:off x="1297500" y="1167600"/>
+            <a:ext cx="7038900" cy="3568800"/>
           </a:xfrm>
           <a:prstGeom prst="rect">
             <a:avLst/>
@@ -10471,7 +10759,7 @@
         </p:spPr>
         <p:txBody>
           <a:bodyPr anchorCtr="0" anchor="t" bIns="91425" lIns="91425" spcFirstLastPara="1" rIns="91425" wrap="square" tIns="91425">
-            <a:normAutofit/>
+            <a:normAutofit fontScale="92500" lnSpcReduction="10000"/>
           </a:bodyPr>
           <a:lstStyle/>
           <a:p>
@@ -10496,13 +10784,196 @@
                 <a:spcPts val="1200"/>
               </a:spcBef>
               <a:spcAft>
-                <a:spcPts val="1200"/>
+                <a:spcPts val="0"/>
               </a:spcAft>
               <a:buNone/>
             </a:pPr>
             <a:r>
               <a:rPr lang="en"/>
-              <a:t>This dataset came in 2 pieces, a Train set and a Test set. The target would be whether an individual was granted a load based on several factors. This was listed as Loan_Status in the train dataset.</a:t>
+              <a:t>This dataset came in 2 pieces, a Train set and a Test set.</a:t>
+            </a:r>
+            <a:endParaRPr/>
+          </a:p>
+          <a:p>
+            <a:pPr indent="0" lvl="0" marL="0" rtl="0" algn="l">
+              <a:spcBef>
+                <a:spcPts val="1200"/>
+              </a:spcBef>
+              <a:spcAft>
+                <a:spcPts val="0"/>
+              </a:spcAft>
+              <a:buNone/>
+            </a:pPr>
+            <a:r>
+              <a:rPr lang="en"/>
+              <a:t>Features covered</a:t>
+            </a:r>
+            <a:endParaRPr/>
+          </a:p>
+          <a:p>
+            <a:pPr indent="-304958" lvl="0" marL="457200" rtl="0" algn="l">
+              <a:spcBef>
+                <a:spcPts val="1200"/>
+              </a:spcBef>
+              <a:spcAft>
+                <a:spcPts val="0"/>
+              </a:spcAft>
+              <a:buSzPct val="100000"/>
+              <a:buChar char="●"/>
+            </a:pPr>
+            <a:r>
+              <a:rPr lang="en"/>
+              <a:t>Applicant and Co-Applicant Income</a:t>
+            </a:r>
+            <a:endParaRPr/>
+          </a:p>
+          <a:p>
+            <a:pPr indent="-304958" lvl="0" marL="457200" rtl="0" algn="l">
+              <a:spcBef>
+                <a:spcPts val="0"/>
+              </a:spcBef>
+              <a:spcAft>
+                <a:spcPts val="0"/>
+              </a:spcAft>
+              <a:buSzPct val="100000"/>
+              <a:buChar char="●"/>
+            </a:pPr>
+            <a:r>
+              <a:rPr lang="en"/>
+              <a:t>Gender and Married or not</a:t>
+            </a:r>
+            <a:endParaRPr/>
+          </a:p>
+          <a:p>
+            <a:pPr indent="-304958" lvl="0" marL="457200" rtl="0" algn="l">
+              <a:spcBef>
+                <a:spcPts val="0"/>
+              </a:spcBef>
+              <a:spcAft>
+                <a:spcPts val="0"/>
+              </a:spcAft>
+              <a:buSzPct val="100000"/>
+              <a:buChar char="●"/>
+            </a:pPr>
+            <a:r>
+              <a:rPr lang="en"/>
+              <a:t>Graduate or not, Self Employed</a:t>
+            </a:r>
+            <a:endParaRPr/>
+          </a:p>
+          <a:p>
+            <a:pPr indent="-304958" lvl="0" marL="457200" rtl="0" algn="l">
+              <a:spcBef>
+                <a:spcPts val="0"/>
+              </a:spcBef>
+              <a:spcAft>
+                <a:spcPts val="0"/>
+              </a:spcAft>
+              <a:buSzPct val="100000"/>
+              <a:buChar char="●"/>
+            </a:pPr>
+            <a:r>
+              <a:rPr lang="en"/>
+              <a:t>Number of Dependents</a:t>
+            </a:r>
+            <a:endParaRPr/>
+          </a:p>
+          <a:p>
+            <a:pPr indent="-304958" lvl="0" marL="457200" rtl="0" algn="l">
+              <a:spcBef>
+                <a:spcPts val="0"/>
+              </a:spcBef>
+              <a:spcAft>
+                <a:spcPts val="0"/>
+              </a:spcAft>
+              <a:buSzPct val="100000"/>
+              <a:buChar char="●"/>
+            </a:pPr>
+            <a:r>
+              <a:rPr lang="en"/>
+              <a:t>Loan Amount</a:t>
+            </a:r>
+            <a:endParaRPr/>
+          </a:p>
+          <a:p>
+            <a:pPr indent="-304958" lvl="0" marL="457200" rtl="0" algn="l">
+              <a:spcBef>
+                <a:spcPts val="0"/>
+              </a:spcBef>
+              <a:spcAft>
+                <a:spcPts val="0"/>
+              </a:spcAft>
+              <a:buSzPct val="100000"/>
+              <a:buChar char="●"/>
+            </a:pPr>
+            <a:r>
+              <a:rPr lang="en"/>
+              <a:t>Loan Term Length</a:t>
+            </a:r>
+            <a:endParaRPr/>
+          </a:p>
+          <a:p>
+            <a:pPr indent="-304958" lvl="0" marL="457200" rtl="0" algn="l">
+              <a:spcBef>
+                <a:spcPts val="0"/>
+              </a:spcBef>
+              <a:spcAft>
+                <a:spcPts val="0"/>
+              </a:spcAft>
+              <a:buSzPct val="100000"/>
+              <a:buChar char="●"/>
+            </a:pPr>
+            <a:r>
+              <a:rPr lang="en"/>
+              <a:t>Does applicant have Credit History</a:t>
+            </a:r>
+            <a:endParaRPr/>
+          </a:p>
+          <a:p>
+            <a:pPr indent="-304958" lvl="0" marL="457200" rtl="0" algn="l">
+              <a:spcBef>
+                <a:spcPts val="0"/>
+              </a:spcBef>
+              <a:spcAft>
+                <a:spcPts val="0"/>
+              </a:spcAft>
+              <a:buSzPct val="100000"/>
+              <a:buChar char="●"/>
+            </a:pPr>
+            <a:r>
+              <a:rPr lang="en"/>
+              <a:t>Property Area</a:t>
+            </a:r>
+            <a:endParaRPr/>
+          </a:p>
+          <a:p>
+            <a:pPr indent="0" lvl="0" marL="0" rtl="0" algn="l">
+              <a:spcBef>
+                <a:spcPts val="1200"/>
+              </a:spcBef>
+              <a:spcAft>
+                <a:spcPts val="0"/>
+              </a:spcAft>
+              <a:buNone/>
+            </a:pPr>
+            <a:r>
+              <a:rPr lang="en"/>
+              <a:t>I read in the data, using the Loan_ID column as the index.</a:t>
+            </a:r>
+            <a:endParaRPr/>
+          </a:p>
+          <a:p>
+            <a:pPr indent="0" lvl="0" marL="0" rtl="0" algn="l">
+              <a:spcBef>
+                <a:spcPts val="1200"/>
+              </a:spcBef>
+              <a:spcAft>
+                <a:spcPts val="1200"/>
+              </a:spcAft>
+              <a:buNone/>
+            </a:pPr>
+            <a:r>
+              <a:t/>
             </a:r>
             <a:endParaRPr/>
           </a:p>
@@ -10567,7 +11038,7 @@
             </a:pPr>
             <a:r>
               <a:rPr lang="en"/>
-              <a:t>The Cleaning: Outliers</a:t>
+              <a:t>Goal</a:t>
             </a:r>
             <a:endParaRPr/>
           </a:p>
@@ -10607,15 +11078,7 @@
             </a:pPr>
             <a:r>
               <a:rPr lang="en"/>
-              <a:t>This data required a lot of cleaning, both the train and test data sets. Multiple Null values and outliers to deal with. As well as several Object type features to deal with. Any cleaning I did to one dataset I matched to the other to keep them </a:t>
-            </a:r>
-            <a:r>
-              <a:rPr lang="en"/>
-              <a:t>consistent</a:t>
-            </a:r>
-            <a:r>
-              <a:rPr lang="en"/>
-              <a:t>.</a:t>
+              <a:t>Using this data I intend to create a predictive model to determine whether an applicant will be approved for a loan or not. </a:t>
             </a:r>
             <a:endParaRPr/>
           </a:p>
@@ -10625,44 +11088,13 @@
                 <a:spcPts val="1200"/>
               </a:spcBef>
               <a:spcAft>
-                <a:spcPts val="0"/>
+                <a:spcPts val="1200"/>
               </a:spcAft>
               <a:buNone/>
             </a:pPr>
             <a:r>
               <a:rPr lang="en"/>
-              <a:t>First step I took was cleaning outliers.</a:t>
-            </a:r>
-            <a:endParaRPr/>
-          </a:p>
-          <a:p>
-            <a:pPr indent="0" lvl="0" marL="0" rtl="0" algn="l">
-              <a:spcBef>
-                <a:spcPts val="1200"/>
-              </a:spcBef>
-              <a:spcAft>
-                <a:spcPts val="0"/>
-              </a:spcAft>
-              <a:buNone/>
-            </a:pPr>
-            <a:r>
-              <a:rPr lang="en"/>
-              <a:t>I determined the outliers in ApplicantIncome, CoapplicantIncome and LoanAmount would be the ones that needed dealing with and decided to drop to worst of the outliers. Anything over 30k in Applicant Income. Over 10k in Coapplicant Income. And under100  in LoanAmount.</a:t>
-            </a:r>
-            <a:endParaRPr/>
-          </a:p>
-          <a:p>
-            <a:pPr indent="0" lvl="0" marL="0" rtl="0" algn="l">
-              <a:spcBef>
-                <a:spcPts val="1200"/>
-              </a:spcBef>
-              <a:spcAft>
-                <a:spcPts val="1200"/>
-              </a:spcAft>
-              <a:buNone/>
-            </a:pPr>
-            <a:r>
-              <a:t/>
+              <a:t>From the dataset the Target is Loan_Status</a:t>
             </a:r>
             <a:endParaRPr/>
           </a:p>
@@ -10712,7 +11144,7 @@
         </p:spPr>
         <p:txBody>
           <a:bodyPr anchorCtr="0" anchor="t" bIns="91425" lIns="91425" spcFirstLastPara="1" rIns="91425" wrap="square" tIns="91425">
-            <a:normAutofit fontScale="90000"/>
+            <a:normAutofit/>
           </a:bodyPr>
           <a:lstStyle/>
           <a:p>
@@ -10727,22 +11159,7 @@
             </a:pPr>
             <a:r>
               <a:rPr lang="en"/>
-              <a:t>The Cleaning: Nulls</a:t>
-            </a:r>
-            <a:endParaRPr/>
-          </a:p>
-          <a:p>
-            <a:pPr indent="0" lvl="0" marL="0" rtl="0" algn="l">
-              <a:spcBef>
-                <a:spcPts val="0"/>
-              </a:spcBef>
-              <a:spcAft>
-                <a:spcPts val="0"/>
-              </a:spcAft>
-              <a:buNone/>
-            </a:pPr>
-            <a:r>
-              <a:t/>
+              <a:t>The Cleaning: Outliers</a:t>
             </a:r>
             <a:endParaRPr/>
           </a:p>
@@ -10759,7 +11176,7 @@
         <p:spPr>
           <a:xfrm>
             <a:off x="1297500" y="1567550"/>
-            <a:ext cx="7038900" cy="3339900"/>
+            <a:ext cx="7038900" cy="2911200"/>
           </a:xfrm>
           <a:prstGeom prst="rect">
             <a:avLst/>
@@ -10782,7 +11199,15 @@
             </a:pPr>
             <a:r>
               <a:rPr lang="en"/>
-              <a:t>I didn’t want to drop too much data as this data was only about 1k rows between both sets.</a:t>
+              <a:t>This data required a lot of cleaning, both the train and test data sets. Multiple Null values and outliers to deal with. As well as several Object type features to deal with. Any cleaning I did to one dataset I matched to the other to keep them </a:t>
+            </a:r>
+            <a:r>
+              <a:rPr lang="en"/>
+              <a:t>consistent</a:t>
+            </a:r>
+            <a:r>
+              <a:rPr lang="en"/>
+              <a:t>.</a:t>
             </a:r>
             <a:endParaRPr/>
           </a:p>
@@ -10798,7 +11223,7 @@
             </a:pPr>
             <a:r>
               <a:rPr lang="en"/>
-              <a:t>Cleaning Decisions by column</a:t>
+              <a:t>First step I took was cleaning outliers.</a:t>
             </a:r>
             <a:endParaRPr/>
           </a:p>
@@ -10814,7 +11239,7 @@
             </a:pPr>
             <a:r>
               <a:rPr lang="en"/>
-              <a:t>Gender: Replaced with majority. (Male)</a:t>
+              <a:t>I determined the outliers in ApplicantIncome, CoapplicantIncome and LoanAmount would be the ones that needed dealing with and decided to drop to worst of the outliers. Anything over 30k in Applicant Income. Over 10k in Coapplicant Income. And under100  in LoanAmount.</a:t>
             </a:r>
             <a:endParaRPr/>
           </a:p>
@@ -10824,77 +11249,12 @@
                 <a:spcPts val="1200"/>
               </a:spcBef>
               <a:spcAft>
-                <a:spcPts val="0"/>
+                <a:spcPts val="1200"/>
               </a:spcAft>
               <a:buNone/>
             </a:pPr>
             <a:r>
-              <a:rPr lang="en"/>
-              <a:t>Married: Replaced with No (determining a null was left blank because not married)</a:t>
-            </a:r>
-            <a:endParaRPr/>
-          </a:p>
-          <a:p>
-            <a:pPr indent="0" lvl="0" marL="0" rtl="0" algn="l">
-              <a:spcBef>
-                <a:spcPts val="1200"/>
-              </a:spcBef>
-              <a:spcAft>
-                <a:spcPts val="0"/>
-              </a:spcAft>
-              <a:buNone/>
-            </a:pPr>
-            <a:r>
-              <a:rPr lang="en"/>
-              <a:t>Dependents: Replaced with ‘0’ (Determining a null was no dependants, and matching dtype for later correction)</a:t>
-            </a:r>
-            <a:endParaRPr/>
-          </a:p>
-          <a:p>
-            <a:pPr indent="0" lvl="0" marL="0" rtl="0" algn="l">
-              <a:spcBef>
-                <a:spcPts val="1200"/>
-              </a:spcBef>
-              <a:spcAft>
-                <a:spcPts val="0"/>
-              </a:spcAft>
-              <a:buNone/>
-            </a:pPr>
-            <a:r>
-              <a:rPr lang="en"/>
-              <a:t>Self_Employed: Replaced with No (Determining a null was not self employed)</a:t>
-            </a:r>
-            <a:endParaRPr/>
-          </a:p>
-          <a:p>
-            <a:pPr indent="0" lvl="0" marL="0" rtl="0" algn="l">
-              <a:spcBef>
-                <a:spcPts val="1200"/>
-              </a:spcBef>
-              <a:spcAft>
-                <a:spcPts val="0"/>
-              </a:spcAft>
-              <a:buNone/>
-            </a:pPr>
-            <a:r>
-              <a:rPr lang="en"/>
-              <a:t>Loan_Amount_Term: Replaced with majority (360)</a:t>
-            </a:r>
-            <a:endParaRPr/>
-          </a:p>
-          <a:p>
-            <a:pPr indent="0" lvl="0" marL="0" rtl="0" algn="l">
-              <a:spcBef>
-                <a:spcPts val="1200"/>
-              </a:spcBef>
-              <a:spcAft>
-                <a:spcPts val="1200"/>
-              </a:spcAft>
-              <a:buNone/>
-            </a:pPr>
-            <a:r>
-              <a:rPr lang="en"/>
-              <a:t>Credit_History: Replaced with No (Determining a null was no credit history)</a:t>
+              <a:t/>
             </a:r>
             <a:endParaRPr/>
           </a:p>
@@ -10944,7 +11304,7 @@
         </p:spPr>
         <p:txBody>
           <a:bodyPr anchorCtr="0" anchor="t" bIns="91425" lIns="91425" spcFirstLastPara="1" rIns="91425" wrap="square" tIns="91425">
-            <a:normAutofit/>
+            <a:normAutofit fontScale="90000"/>
           </a:bodyPr>
           <a:lstStyle/>
           <a:p>
@@ -10959,7 +11319,22 @@
             </a:pPr>
             <a:r>
               <a:rPr lang="en"/>
-              <a:t>Visualization and Evaluation</a:t>
+              <a:t>The Cleaning: Nulls</a:t>
+            </a:r>
+            <a:endParaRPr/>
+          </a:p>
+          <a:p>
+            <a:pPr indent="0" lvl="0" marL="0" rtl="0" algn="l">
+              <a:spcBef>
+                <a:spcPts val="0"/>
+              </a:spcBef>
+              <a:spcAft>
+                <a:spcPts val="0"/>
+              </a:spcAft>
+              <a:buNone/>
+            </a:pPr>
+            <a:r>
+              <a:t/>
             </a:r>
             <a:endParaRPr/>
           </a:p>
@@ -10975,8 +11350,8 @@
         </p:nvSpPr>
         <p:spPr>
           <a:xfrm>
-            <a:off x="1297500" y="1567550"/>
-            <a:ext cx="7038900" cy="2911200"/>
+            <a:off x="1297500" y="1249025"/>
+            <a:ext cx="7038900" cy="3658200"/>
           </a:xfrm>
           <a:prstGeom prst="rect">
             <a:avLst/>
@@ -10999,7 +11374,7 @@
             </a:pPr>
             <a:r>
               <a:rPr lang="en"/>
-              <a:t>Questions I put forth to myself:</a:t>
+              <a:t>I didn’t want to drop too much data as this data was only about 1k rows between both sets.</a:t>
             </a:r>
             <a:endParaRPr/>
           </a:p>
@@ -11015,7 +11390,7 @@
             </a:pPr>
             <a:r>
               <a:rPr lang="en"/>
-              <a:t>What percentage of loans were approved?</a:t>
+              <a:t>Cleaning Decisions by column</a:t>
             </a:r>
             <a:endParaRPr/>
           </a:p>
@@ -11031,7 +11406,7 @@
             </a:pPr>
             <a:r>
               <a:rPr lang="en"/>
-              <a:t>What correlations were there in the data?</a:t>
+              <a:t>Gender: Replaced with majority. (Male)</a:t>
             </a:r>
             <a:endParaRPr/>
           </a:p>
@@ -11047,7 +11422,7 @@
             </a:pPr>
             <a:r>
               <a:rPr lang="en"/>
-              <a:t>Was there a strong gender bias in those that got approved?</a:t>
+              <a:t>Married: Replaced with No (determining a null was left blank because not married)</a:t>
             </a:r>
             <a:endParaRPr/>
           </a:p>
@@ -11057,12 +11432,61 @@
                 <a:spcPts val="1200"/>
               </a:spcBef>
               <a:spcAft>
-                <a:spcPts val="1200"/>
+                <a:spcPts val="0"/>
               </a:spcAft>
               <a:buNone/>
             </a:pPr>
             <a:r>
-              <a:t/>
+              <a:rPr lang="en"/>
+              <a:t>Dependents: Replaced with ‘0’ (Determining a null was no dependants, and matching dtype for later correction)</a:t>
+            </a:r>
+            <a:endParaRPr/>
+          </a:p>
+          <a:p>
+            <a:pPr indent="0" lvl="0" marL="0" rtl="0" algn="l">
+              <a:spcBef>
+                <a:spcPts val="1200"/>
+              </a:spcBef>
+              <a:spcAft>
+                <a:spcPts val="0"/>
+              </a:spcAft>
+              <a:buNone/>
+            </a:pPr>
+            <a:r>
+              <a:rPr lang="en"/>
+              <a:t>Self_Employed: Replaced with No (Determining a null was not self employed)</a:t>
+            </a:r>
+            <a:endParaRPr/>
+          </a:p>
+          <a:p>
+            <a:pPr indent="0" lvl="0" marL="0" rtl="0" algn="l">
+              <a:spcBef>
+                <a:spcPts val="1200"/>
+              </a:spcBef>
+              <a:spcAft>
+                <a:spcPts val="0"/>
+              </a:spcAft>
+              <a:buNone/>
+            </a:pPr>
+            <a:r>
+              <a:rPr lang="en"/>
+              <a:t>Loan_Amount_Term: Replaced with majority (360)</a:t>
+            </a:r>
+            <a:endParaRPr/>
+          </a:p>
+          <a:p>
+            <a:pPr indent="0" lvl="0" marL="0" rtl="0" algn="l">
+              <a:spcBef>
+                <a:spcPts val="1200"/>
+              </a:spcBef>
+              <a:spcAft>
+                <a:spcPts val="1200"/>
+              </a:spcAft>
+              <a:buNone/>
+            </a:pPr>
+            <a:r>
+              <a:rPr lang="en"/>
+              <a:t>Credit_History: Replaced with No (Determining a null was no credit history)</a:t>
             </a:r>
             <a:endParaRPr/>
           </a:p>
@@ -11098,6 +11522,46 @@
           <p:cNvPr id="164" name="Google Shape;164;p18"/>
           <p:cNvSpPr txBox="1"/>
           <p:nvPr>
+            <p:ph type="title"/>
+          </p:nvPr>
+        </p:nvSpPr>
+        <p:spPr>
+          <a:xfrm>
+            <a:off x="1297500" y="393750"/>
+            <a:ext cx="7038900" cy="914100"/>
+          </a:xfrm>
+          <a:prstGeom prst="rect">
+            <a:avLst/>
+          </a:prstGeom>
+        </p:spPr>
+        <p:txBody>
+          <a:bodyPr anchorCtr="0" anchor="t" bIns="91425" lIns="91425" spcFirstLastPara="1" rIns="91425" wrap="square" tIns="91425">
+            <a:normAutofit/>
+          </a:bodyPr>
+          <a:lstStyle/>
+          <a:p>
+            <a:pPr indent="0" lvl="0" marL="0" rtl="0" algn="l">
+              <a:spcBef>
+                <a:spcPts val="0"/>
+              </a:spcBef>
+              <a:spcAft>
+                <a:spcPts val="0"/>
+              </a:spcAft>
+              <a:buNone/>
+            </a:pPr>
+            <a:r>
+              <a:rPr lang="en"/>
+              <a:t>Visualization and Evaluation</a:t>
+            </a:r>
+            <a:endParaRPr/>
+          </a:p>
+        </p:txBody>
+      </p:sp>
+      <p:sp>
+        <p:nvSpPr>
+          <p:cNvPr id="165" name="Google Shape;165;p18"/>
+          <p:cNvSpPr txBox="1"/>
+          <p:nvPr>
             <p:ph idx="1" type="body"/>
           </p:nvPr>
         </p:nvSpPr>
@@ -11121,6 +11585,134 @@
                 <a:spcPts val="0"/>
               </a:spcBef>
               <a:spcAft>
+                <a:spcPts val="0"/>
+              </a:spcAft>
+              <a:buNone/>
+            </a:pPr>
+            <a:r>
+              <a:rPr lang="en"/>
+              <a:t>Questions I put forth to myself:</a:t>
+            </a:r>
+            <a:endParaRPr/>
+          </a:p>
+          <a:p>
+            <a:pPr indent="0" lvl="0" marL="0" rtl="0" algn="l">
+              <a:spcBef>
+                <a:spcPts val="1200"/>
+              </a:spcBef>
+              <a:spcAft>
+                <a:spcPts val="0"/>
+              </a:spcAft>
+              <a:buNone/>
+            </a:pPr>
+            <a:r>
+              <a:rPr lang="en"/>
+              <a:t>What percentage of loans were approved?</a:t>
+            </a:r>
+            <a:endParaRPr/>
+          </a:p>
+          <a:p>
+            <a:pPr indent="0" lvl="0" marL="0" rtl="0" algn="l">
+              <a:spcBef>
+                <a:spcPts val="1200"/>
+              </a:spcBef>
+              <a:spcAft>
+                <a:spcPts val="0"/>
+              </a:spcAft>
+              <a:buNone/>
+            </a:pPr>
+            <a:r>
+              <a:rPr lang="en"/>
+              <a:t>What correlations were there in the data?</a:t>
+            </a:r>
+            <a:endParaRPr/>
+          </a:p>
+          <a:p>
+            <a:pPr indent="0" lvl="0" marL="0" rtl="0" algn="l">
+              <a:spcBef>
+                <a:spcPts val="1200"/>
+              </a:spcBef>
+              <a:spcAft>
+                <a:spcPts val="0"/>
+              </a:spcAft>
+              <a:buNone/>
+            </a:pPr>
+            <a:r>
+              <a:rPr lang="en"/>
+              <a:t>Was there a strong gender bias in those that got approved?</a:t>
+            </a:r>
+            <a:endParaRPr/>
+          </a:p>
+          <a:p>
+            <a:pPr indent="0" lvl="0" marL="0" rtl="0" algn="l">
+              <a:spcBef>
+                <a:spcPts val="1200"/>
+              </a:spcBef>
+              <a:spcAft>
+                <a:spcPts val="1200"/>
+              </a:spcAft>
+              <a:buNone/>
+            </a:pPr>
+            <a:r>
+              <a:t/>
+            </a:r>
+            <a:endParaRPr/>
+          </a:p>
+        </p:txBody>
+      </p:sp>
+    </p:spTree>
+  </p:cSld>
+  <p:clrMapOvr>
+    <a:masterClrMapping/>
+  </p:clrMapOvr>
+</p:sld>
+</file>
+
+<file path=ppt/slides/slide7.xml><?xml version="1.0" encoding="utf-8"?>
+<p:sld xmlns:a="http://schemas.openxmlformats.org/drawingml/2006/main" xmlns:r="http://schemas.openxmlformats.org/officeDocument/2006/relationships" xmlns:mc="http://schemas.openxmlformats.org/markup-compatibility/2006" xmlns:mv="urn:schemas-microsoft-com:mac:vml" xmlns:p="http://schemas.openxmlformats.org/presentationml/2006/main" xmlns:c="http://schemas.openxmlformats.org/drawingml/2006/chart" xmlns:dgm="http://schemas.openxmlformats.org/drawingml/2006/diagram" xmlns:o="urn:schemas-microsoft-com:office:office" xmlns:v="urn:schemas-microsoft-com:vml" xmlns:pvml="urn:schemas-microsoft-com:office:powerpoint" xmlns:com="http://schemas.openxmlformats.org/drawingml/2006/compatibility" xmlns:p14="http://schemas.microsoft.com/office/powerpoint/2010/main" xmlns:p15="http://schemas.microsoft.com/office/powerpoint/2012/main" xmlns:ahyp="http://schemas.microsoft.com/office/drawing/2018/hyperlinkcolor">
+  <p:cSld>
+    <p:spTree>
+      <p:nvGrpSpPr>
+        <p:cNvPr id="169" name="Shape 169"/>
+        <p:cNvGrpSpPr/>
+        <p:nvPr/>
+      </p:nvGrpSpPr>
+      <p:grpSpPr>
+        <a:xfrm>
+          <a:off x="0" y="0"/>
+          <a:ext cx="0" cy="0"/>
+          <a:chOff x="0" y="0"/>
+          <a:chExt cx="0" cy="0"/>
+        </a:xfrm>
+      </p:grpSpPr>
+      <p:sp>
+        <p:nvSpPr>
+          <p:cNvPr id="170" name="Google Shape;170;p19"/>
+          <p:cNvSpPr txBox="1"/>
+          <p:nvPr>
+            <p:ph idx="1" type="body"/>
+          </p:nvPr>
+        </p:nvSpPr>
+        <p:spPr>
+          <a:xfrm>
+            <a:off x="1297500" y="1567550"/>
+            <a:ext cx="7038900" cy="2911200"/>
+          </a:xfrm>
+          <a:prstGeom prst="rect">
+            <a:avLst/>
+          </a:prstGeom>
+        </p:spPr>
+        <p:txBody>
+          <a:bodyPr anchorCtr="0" anchor="t" bIns="91425" lIns="91425" spcFirstLastPara="1" rIns="91425" wrap="square" tIns="91425">
+            <a:normAutofit/>
+          </a:bodyPr>
+          <a:lstStyle/>
+          <a:p>
+            <a:pPr indent="0" lvl="0" marL="0" rtl="0" algn="l">
+              <a:spcBef>
+                <a:spcPts val="0"/>
+              </a:spcBef>
+              <a:spcAft>
                 <a:spcPts val="1200"/>
               </a:spcAft>
               <a:buNone/>
@@ -11134,7 +11726,7 @@
       </p:sp>
       <p:pic>
         <p:nvPicPr>
-          <p:cNvPr id="165" name="Google Shape;165;p18"/>
+          <p:cNvPr id="171" name="Google Shape;171;p19"/>
           <p:cNvPicPr preferRelativeResize="0"/>
           <p:nvPr/>
         </p:nvPicPr>
@@ -11168,12 +11760,12 @@
 </p:sld>
 </file>
 
-<file path=ppt/slides/slide7.xml><?xml version="1.0" encoding="utf-8"?>
+<file path=ppt/slides/slide8.xml><?xml version="1.0" encoding="utf-8"?>
 <p:sld xmlns:a="http://schemas.openxmlformats.org/drawingml/2006/main" xmlns:r="http://schemas.openxmlformats.org/officeDocument/2006/relationships" xmlns:mc="http://schemas.openxmlformats.org/markup-compatibility/2006" xmlns:mv="urn:schemas-microsoft-com:mac:vml" xmlns:p="http://schemas.openxmlformats.org/presentationml/2006/main" xmlns:c="http://schemas.openxmlformats.org/drawingml/2006/chart" xmlns:dgm="http://schemas.openxmlformats.org/drawingml/2006/diagram" xmlns:o="urn:schemas-microsoft-com:office:office" xmlns:v="urn:schemas-microsoft-com:vml" xmlns:pvml="urn:schemas-microsoft-com:office:powerpoint" xmlns:com="http://schemas.openxmlformats.org/drawingml/2006/compatibility" xmlns:p14="http://schemas.microsoft.com/office/powerpoint/2010/main" xmlns:p15="http://schemas.microsoft.com/office/powerpoint/2012/main" xmlns:ahyp="http://schemas.microsoft.com/office/drawing/2018/hyperlinkcolor">
   <p:cSld>
     <p:spTree>
       <p:nvGrpSpPr>
-        <p:cNvPr id="169" name="Shape 169"/>
+        <p:cNvPr id="175" name="Shape 175"/>
         <p:cNvGrpSpPr/>
         <p:nvPr/>
       </p:nvGrpSpPr>
@@ -11187,7 +11779,7 @@
       </p:grpSpPr>
       <p:pic>
         <p:nvPicPr>
-          <p:cNvPr id="170" name="Google Shape;170;p19"/>
+          <p:cNvPr id="176" name="Google Shape;176;p20"/>
           <p:cNvPicPr preferRelativeResize="0"/>
           <p:nvPr/>
         </p:nvPicPr>
@@ -11221,12 +11813,12 @@
 </p:sld>
 </file>
 
-<file path=ppt/slides/slide8.xml><?xml version="1.0" encoding="utf-8"?>
+<file path=ppt/slides/slide9.xml><?xml version="1.0" encoding="utf-8"?>
 <p:sld xmlns:a="http://schemas.openxmlformats.org/drawingml/2006/main" xmlns:r="http://schemas.openxmlformats.org/officeDocument/2006/relationships" xmlns:mc="http://schemas.openxmlformats.org/markup-compatibility/2006" xmlns:mv="urn:schemas-microsoft-com:mac:vml" xmlns:p="http://schemas.openxmlformats.org/presentationml/2006/main" xmlns:c="http://schemas.openxmlformats.org/drawingml/2006/chart" xmlns:dgm="http://schemas.openxmlformats.org/drawingml/2006/diagram" xmlns:o="urn:schemas-microsoft-com:office:office" xmlns:v="urn:schemas-microsoft-com:vml" xmlns:pvml="urn:schemas-microsoft-com:office:powerpoint" xmlns:com="http://schemas.openxmlformats.org/drawingml/2006/compatibility" xmlns:p14="http://schemas.microsoft.com/office/powerpoint/2010/main" xmlns:p15="http://schemas.microsoft.com/office/powerpoint/2012/main" xmlns:ahyp="http://schemas.microsoft.com/office/drawing/2018/hyperlinkcolor">
   <p:cSld>
     <p:spTree>
       <p:nvGrpSpPr>
-        <p:cNvPr id="174" name="Shape 174"/>
+        <p:cNvPr id="180" name="Shape 180"/>
         <p:cNvGrpSpPr/>
         <p:nvPr/>
       </p:nvGrpSpPr>
@@ -11240,7 +11832,7 @@
       </p:grpSpPr>
       <p:pic>
         <p:nvPicPr>
-          <p:cNvPr id="175" name="Google Shape;175;p20"/>
+          <p:cNvPr id="181" name="Google Shape;181;p21"/>
           <p:cNvPicPr preferRelativeResize="0"/>
           <p:nvPr/>
         </p:nvPicPr>
@@ -11266,162 +11858,6 @@
           </a:ln>
         </p:spPr>
       </p:pic>
-    </p:spTree>
-  </p:cSld>
-  <p:clrMapOvr>
-    <a:masterClrMapping/>
-  </p:clrMapOvr>
-</p:sld>
-</file>
-
-<file path=ppt/slides/slide9.xml><?xml version="1.0" encoding="utf-8"?>
-<p:sld xmlns:a="http://schemas.openxmlformats.org/drawingml/2006/main" xmlns:r="http://schemas.openxmlformats.org/officeDocument/2006/relationships" xmlns:mc="http://schemas.openxmlformats.org/markup-compatibility/2006" xmlns:mv="urn:schemas-microsoft-com:mac:vml" xmlns:p="http://schemas.openxmlformats.org/presentationml/2006/main" xmlns:c="http://schemas.openxmlformats.org/drawingml/2006/chart" xmlns:dgm="http://schemas.openxmlformats.org/drawingml/2006/diagram" xmlns:o="urn:schemas-microsoft-com:office:office" xmlns:v="urn:schemas-microsoft-com:vml" xmlns:pvml="urn:schemas-microsoft-com:office:powerpoint" xmlns:com="http://schemas.openxmlformats.org/drawingml/2006/compatibility" xmlns:p14="http://schemas.microsoft.com/office/powerpoint/2010/main" xmlns:p15="http://schemas.microsoft.com/office/powerpoint/2012/main" xmlns:ahyp="http://schemas.microsoft.com/office/drawing/2018/hyperlinkcolor">
-  <p:cSld>
-    <p:spTree>
-      <p:nvGrpSpPr>
-        <p:cNvPr id="179" name="Shape 179"/>
-        <p:cNvGrpSpPr/>
-        <p:nvPr/>
-      </p:nvGrpSpPr>
-      <p:grpSpPr>
-        <a:xfrm>
-          <a:off x="0" y="0"/>
-          <a:ext cx="0" cy="0"/>
-          <a:chOff x="0" y="0"/>
-          <a:chExt cx="0" cy="0"/>
-        </a:xfrm>
-      </p:grpSpPr>
-      <p:sp>
-        <p:nvSpPr>
-          <p:cNvPr id="180" name="Google Shape;180;p21"/>
-          <p:cNvSpPr txBox="1"/>
-          <p:nvPr>
-            <p:ph type="title"/>
-          </p:nvPr>
-        </p:nvSpPr>
-        <p:spPr>
-          <a:xfrm>
-            <a:off x="1297500" y="393750"/>
-            <a:ext cx="7038900" cy="914100"/>
-          </a:xfrm>
-          <a:prstGeom prst="rect">
-            <a:avLst/>
-          </a:prstGeom>
-        </p:spPr>
-        <p:txBody>
-          <a:bodyPr anchorCtr="0" anchor="t" bIns="91425" lIns="91425" spcFirstLastPara="1" rIns="91425" wrap="square" tIns="91425">
-            <a:normAutofit/>
-          </a:bodyPr>
-          <a:lstStyle/>
-          <a:p>
-            <a:pPr indent="0" lvl="0" marL="0" rtl="0" algn="l">
-              <a:spcBef>
-                <a:spcPts val="0"/>
-              </a:spcBef>
-              <a:spcAft>
-                <a:spcPts val="0"/>
-              </a:spcAft>
-              <a:buNone/>
-            </a:pPr>
-            <a:r>
-              <a:rPr lang="en"/>
-              <a:t>Visualization and Evaluation</a:t>
-            </a:r>
-            <a:endParaRPr/>
-          </a:p>
-        </p:txBody>
-      </p:sp>
-      <p:sp>
-        <p:nvSpPr>
-          <p:cNvPr id="181" name="Google Shape;181;p21"/>
-          <p:cNvSpPr txBox="1"/>
-          <p:nvPr>
-            <p:ph idx="1" type="body"/>
-          </p:nvPr>
-        </p:nvSpPr>
-        <p:spPr>
-          <a:xfrm>
-            <a:off x="1297500" y="1567550"/>
-            <a:ext cx="7038900" cy="2911200"/>
-          </a:xfrm>
-          <a:prstGeom prst="rect">
-            <a:avLst/>
-          </a:prstGeom>
-        </p:spPr>
-        <p:txBody>
-          <a:bodyPr anchorCtr="0" anchor="t" bIns="91425" lIns="91425" spcFirstLastPara="1" rIns="91425" wrap="square" tIns="91425">
-            <a:normAutofit/>
-          </a:bodyPr>
-          <a:lstStyle/>
-          <a:p>
-            <a:pPr indent="0" lvl="0" marL="0" rtl="0" algn="l">
-              <a:spcBef>
-                <a:spcPts val="0"/>
-              </a:spcBef>
-              <a:spcAft>
-                <a:spcPts val="0"/>
-              </a:spcAft>
-              <a:buNone/>
-            </a:pPr>
-            <a:r>
-              <a:rPr lang="en"/>
-              <a:t>Wh</a:t>
-            </a:r>
-            <a:r>
-              <a:rPr lang="en"/>
-              <a:t>at percentage of loans were approved?  70%</a:t>
-            </a:r>
-            <a:endParaRPr/>
-          </a:p>
-          <a:p>
-            <a:pPr indent="0" lvl="0" marL="0" rtl="0" algn="l">
-              <a:spcBef>
-                <a:spcPts val="1200"/>
-              </a:spcBef>
-              <a:spcAft>
-                <a:spcPts val="0"/>
-              </a:spcAft>
-              <a:buNone/>
-            </a:pPr>
-            <a:r>
-              <a:rPr lang="en"/>
-              <a:t>What correlations were there in the data?  Applicant Income and Loan Amount </a:t>
-            </a:r>
-            <a:endParaRPr/>
-          </a:p>
-          <a:p>
-            <a:pPr indent="0" lvl="0" marL="0" rtl="0" algn="l">
-              <a:spcBef>
-                <a:spcPts val="1200"/>
-              </a:spcBef>
-              <a:spcAft>
-                <a:spcPts val="0"/>
-              </a:spcAft>
-              <a:buNone/>
-            </a:pPr>
-            <a:r>
-              <a:rPr lang="en"/>
-              <a:t>Was there a strong gender bias in those that got approved? More males applied than females, but there wasn’t a strong bias to approve males over female.</a:t>
-            </a:r>
-            <a:endParaRPr/>
-          </a:p>
-          <a:p>
-            <a:pPr indent="0" lvl="0" marL="0" rtl="0" algn="l">
-              <a:spcBef>
-                <a:spcPts val="1200"/>
-              </a:spcBef>
-              <a:spcAft>
-                <a:spcPts val="1200"/>
-              </a:spcAft>
-              <a:buNone/>
-            </a:pPr>
-            <a:r>
-              <a:t/>
-            </a:r>
-            <a:endParaRPr/>
-          </a:p>
-        </p:txBody>
-      </p:sp>
     </p:spTree>
   </p:cSld>
   <p:clrMapOvr>
